--- a/Analisa Kebutuhan Perangkat Lunak.pptx
+++ b/Analisa Kebutuhan Perangkat Lunak.pptx
@@ -13,6 +13,10 @@
     <p:sldId id="261" r:id="rId7"/>
     <p:sldId id="260" r:id="rId8"/>
     <p:sldId id="276" r:id="rId9"/>
+    <p:sldId id="277" r:id="rId10"/>
+    <p:sldId id="278" r:id="rId11"/>
+    <p:sldId id="279" r:id="rId12"/>
+    <p:sldId id="280" r:id="rId13"/>
   </p:sldIdLst>
   <p:sldSz cx="12192000" cy="6858000"/>
   <p:notesSz cx="6858000" cy="9144000"/>
@@ -111,6 +115,11 @@
       </a:defRPr>
     </a:lvl9pPr>
   </p:defaultTextStyle>
+  <p:extLst>
+    <p:ext uri="{EFAFB233-063F-42B5-8137-9DF3F51BA10A}">
+      <p15:sldGuideLst xmlns:p15="http://schemas.microsoft.com/office/powerpoint/2012/main"/>
+    </p:ext>
+  </p:extLst>
 </p:presentation>
 </file>
 
@@ -261,7 +270,7 @@
           <a:p>
             <a:fld id="{ED86A2F2-937C-4F1B-830B-247206E8BE7F}" type="datetimeFigureOut">
               <a:rPr lang="en-US" smtClean="0"/>
-              <a:t>9/17/2023</a:t>
+              <a:t>9/18/2023</a:t>
             </a:fld>
             <a:endParaRPr lang="en-US"/>
           </a:p>
@@ -459,7 +468,7 @@
           <a:p>
             <a:fld id="{ED86A2F2-937C-4F1B-830B-247206E8BE7F}" type="datetimeFigureOut">
               <a:rPr lang="en-US" smtClean="0"/>
-              <a:t>9/17/2023</a:t>
+              <a:t>9/18/2023</a:t>
             </a:fld>
             <a:endParaRPr lang="en-US"/>
           </a:p>
@@ -667,7 +676,7 @@
           <a:p>
             <a:fld id="{ED86A2F2-937C-4F1B-830B-247206E8BE7F}" type="datetimeFigureOut">
               <a:rPr lang="en-US" smtClean="0"/>
-              <a:t>9/17/2023</a:t>
+              <a:t>9/18/2023</a:t>
             </a:fld>
             <a:endParaRPr lang="en-US"/>
           </a:p>
@@ -865,7 +874,7 @@
           <a:p>
             <a:fld id="{ED86A2F2-937C-4F1B-830B-247206E8BE7F}" type="datetimeFigureOut">
               <a:rPr lang="en-US" smtClean="0"/>
-              <a:t>9/17/2023</a:t>
+              <a:t>9/18/2023</a:t>
             </a:fld>
             <a:endParaRPr lang="en-US"/>
           </a:p>
@@ -1140,7 +1149,7 @@
           <a:p>
             <a:fld id="{ED86A2F2-937C-4F1B-830B-247206E8BE7F}" type="datetimeFigureOut">
               <a:rPr lang="en-US" smtClean="0"/>
-              <a:t>9/17/2023</a:t>
+              <a:t>9/18/2023</a:t>
             </a:fld>
             <a:endParaRPr lang="en-US"/>
           </a:p>
@@ -1405,7 +1414,7 @@
           <a:p>
             <a:fld id="{ED86A2F2-937C-4F1B-830B-247206E8BE7F}" type="datetimeFigureOut">
               <a:rPr lang="en-US" smtClean="0"/>
-              <a:t>9/17/2023</a:t>
+              <a:t>9/18/2023</a:t>
             </a:fld>
             <a:endParaRPr lang="en-US"/>
           </a:p>
@@ -1817,7 +1826,7 @@
           <a:p>
             <a:fld id="{ED86A2F2-937C-4F1B-830B-247206E8BE7F}" type="datetimeFigureOut">
               <a:rPr lang="en-US" smtClean="0"/>
-              <a:t>9/17/2023</a:t>
+              <a:t>9/18/2023</a:t>
             </a:fld>
             <a:endParaRPr lang="en-US"/>
           </a:p>
@@ -1958,7 +1967,7 @@
           <a:p>
             <a:fld id="{ED86A2F2-937C-4F1B-830B-247206E8BE7F}" type="datetimeFigureOut">
               <a:rPr lang="en-US" smtClean="0"/>
-              <a:t>9/17/2023</a:t>
+              <a:t>9/18/2023</a:t>
             </a:fld>
             <a:endParaRPr lang="en-US"/>
           </a:p>
@@ -2071,7 +2080,7 @@
           <a:p>
             <a:fld id="{ED86A2F2-937C-4F1B-830B-247206E8BE7F}" type="datetimeFigureOut">
               <a:rPr lang="en-US" smtClean="0"/>
-              <a:t>9/17/2023</a:t>
+              <a:t>9/18/2023</a:t>
             </a:fld>
             <a:endParaRPr lang="en-US"/>
           </a:p>
@@ -2382,7 +2391,7 @@
           <a:p>
             <a:fld id="{ED86A2F2-937C-4F1B-830B-247206E8BE7F}" type="datetimeFigureOut">
               <a:rPr lang="en-US" smtClean="0"/>
-              <a:t>9/17/2023</a:t>
+              <a:t>9/18/2023</a:t>
             </a:fld>
             <a:endParaRPr lang="en-US"/>
           </a:p>
@@ -2670,7 +2679,7 @@
           <a:p>
             <a:fld id="{ED86A2F2-937C-4F1B-830B-247206E8BE7F}" type="datetimeFigureOut">
               <a:rPr lang="en-US" smtClean="0"/>
-              <a:t>9/17/2023</a:t>
+              <a:t>9/18/2023</a:t>
             </a:fld>
             <a:endParaRPr lang="en-US"/>
           </a:p>
@@ -2911,7 +2920,7 @@
           <a:p>
             <a:fld id="{ED86A2F2-937C-4F1B-830B-247206E8BE7F}" type="datetimeFigureOut">
               <a:rPr lang="en-US" smtClean="0"/>
-              <a:t>9/17/2023</a:t>
+              <a:t>9/18/2023</a:t>
             </a:fld>
             <a:endParaRPr lang="en-US"/>
           </a:p>
@@ -3504,6 +3513,422 @@
 </p:sld>
 </file>
 
+<file path=ppt/slides/slide10.xml><?xml version="1.0" encoding="utf-8"?>
+<p:sld xmlns:a="http://schemas.openxmlformats.org/drawingml/2006/main" xmlns:r="http://schemas.openxmlformats.org/officeDocument/2006/relationships" xmlns:p="http://schemas.openxmlformats.org/presentationml/2006/main">
+  <p:cSld>
+    <p:spTree>
+      <p:nvGrpSpPr>
+        <p:cNvPr id="1" name=""/>
+        <p:cNvGrpSpPr/>
+        <p:nvPr/>
+      </p:nvGrpSpPr>
+      <p:grpSpPr>
+        <a:xfrm>
+          <a:off x="0" y="0"/>
+          <a:ext cx="0" cy="0"/>
+          <a:chOff x="0" y="0"/>
+          <a:chExt cx="0" cy="0"/>
+        </a:xfrm>
+      </p:grpSpPr>
+      <p:sp>
+        <p:nvSpPr>
+          <p:cNvPr id="2" name="Title 1">
+            <a:extLst>
+              <a:ext uri="{FF2B5EF4-FFF2-40B4-BE49-F238E27FC236}">
+                <a16:creationId xmlns:a16="http://schemas.microsoft.com/office/drawing/2014/main" id="{BA7F7950-0EE8-2DEF-E7F4-EEB0248A9E62}"/>
+              </a:ext>
+            </a:extLst>
+          </p:cNvPr>
+          <p:cNvSpPr>
+            <a:spLocks noGrp="1"/>
+          </p:cNvSpPr>
+          <p:nvPr>
+            <p:ph type="title"/>
+          </p:nvPr>
+        </p:nvSpPr>
+        <p:spPr/>
+        <p:txBody>
+          <a:bodyPr/>
+          <a:lstStyle/>
+          <a:p>
+            <a:r>
+              <a:rPr lang="en-US" dirty="0"/>
+              <a:t>Data model</a:t>
+            </a:r>
+          </a:p>
+        </p:txBody>
+      </p:sp>
+      <p:pic>
+        <p:nvPicPr>
+          <p:cNvPr id="5" name="Content Placeholder 4">
+            <a:extLst>
+              <a:ext uri="{FF2B5EF4-FFF2-40B4-BE49-F238E27FC236}">
+                <a16:creationId xmlns:a16="http://schemas.microsoft.com/office/drawing/2014/main" id="{E161BDEA-D85D-7798-6E35-E5413E4C49D9}"/>
+              </a:ext>
+            </a:extLst>
+          </p:cNvPr>
+          <p:cNvPicPr>
+            <a:picLocks noGrp="1" noChangeAspect="1"/>
+          </p:cNvPicPr>
+          <p:nvPr>
+            <p:ph idx="1"/>
+          </p:nvPr>
+        </p:nvPicPr>
+        <p:blipFill>
+          <a:blip r:embed="rId2"/>
+          <a:stretch>
+            <a:fillRect/>
+          </a:stretch>
+        </p:blipFill>
+        <p:spPr>
+          <a:xfrm>
+            <a:off x="963485" y="1761437"/>
+            <a:ext cx="10265030" cy="2781541"/>
+          </a:xfrm>
+        </p:spPr>
+      </p:pic>
+      <p:sp>
+        <p:nvSpPr>
+          <p:cNvPr id="6" name="TextBox 5">
+            <a:extLst>
+              <a:ext uri="{FF2B5EF4-FFF2-40B4-BE49-F238E27FC236}">
+                <a16:creationId xmlns:a16="http://schemas.microsoft.com/office/drawing/2014/main" id="{63B75B36-F4A0-85C7-F084-C78AD4F21576}"/>
+              </a:ext>
+            </a:extLst>
+          </p:cNvPr>
+          <p:cNvSpPr txBox="1"/>
+          <p:nvPr/>
+        </p:nvSpPr>
+        <p:spPr>
+          <a:xfrm>
+            <a:off x="297024" y="6354375"/>
+            <a:ext cx="7329058" cy="276999"/>
+          </a:xfrm>
+          <a:prstGeom prst="rect">
+            <a:avLst/>
+          </a:prstGeom>
+          <a:noFill/>
+        </p:spPr>
+        <p:txBody>
+          <a:bodyPr wrap="none" rtlCol="0">
+            <a:spAutoFit/>
+          </a:bodyPr>
+          <a:lstStyle/>
+          <a:p>
+            <a:r>
+              <a:rPr lang="en-US" sz="1200" dirty="0"/>
+              <a:t>Source : https://www.ibm.com/docs/en/informix-servers/14.10?topic=databases-why-build-dimensional-database</a:t>
+            </a:r>
+          </a:p>
+        </p:txBody>
+      </p:sp>
+    </p:spTree>
+    <p:extLst>
+      <p:ext uri="{BB962C8B-B14F-4D97-AF65-F5344CB8AC3E}">
+        <p14:creationId xmlns:p14="http://schemas.microsoft.com/office/powerpoint/2010/main" val="4277658715"/>
+      </p:ext>
+    </p:extLst>
+  </p:cSld>
+  <p:clrMapOvr>
+    <a:masterClrMapping/>
+  </p:clrMapOvr>
+</p:sld>
+</file>
+
+<file path=ppt/slides/slide11.xml><?xml version="1.0" encoding="utf-8"?>
+<p:sld xmlns:a="http://schemas.openxmlformats.org/drawingml/2006/main" xmlns:r="http://schemas.openxmlformats.org/officeDocument/2006/relationships" xmlns:p="http://schemas.openxmlformats.org/presentationml/2006/main">
+  <p:cSld>
+    <p:spTree>
+      <p:nvGrpSpPr>
+        <p:cNvPr id="1" name=""/>
+        <p:cNvGrpSpPr/>
+        <p:nvPr/>
+      </p:nvGrpSpPr>
+      <p:grpSpPr>
+        <a:xfrm>
+          <a:off x="0" y="0"/>
+          <a:ext cx="0" cy="0"/>
+          <a:chOff x="0" y="0"/>
+          <a:chExt cx="0" cy="0"/>
+        </a:xfrm>
+      </p:grpSpPr>
+      <p:sp>
+        <p:nvSpPr>
+          <p:cNvPr id="2" name="Title 1">
+            <a:extLst>
+              <a:ext uri="{FF2B5EF4-FFF2-40B4-BE49-F238E27FC236}">
+                <a16:creationId xmlns:a16="http://schemas.microsoft.com/office/drawing/2014/main" id="{58F8C37C-8BBB-49C2-9E21-B39B5662CC8E}"/>
+              </a:ext>
+            </a:extLst>
+          </p:cNvPr>
+          <p:cNvSpPr>
+            <a:spLocks noGrp="1"/>
+          </p:cNvSpPr>
+          <p:nvPr>
+            <p:ph type="title"/>
+          </p:nvPr>
+        </p:nvSpPr>
+        <p:spPr/>
+        <p:txBody>
+          <a:bodyPr/>
+          <a:lstStyle/>
+          <a:p>
+            <a:r>
+              <a:rPr lang="en-US" dirty="0"/>
+              <a:t>Data model</a:t>
+            </a:r>
+          </a:p>
+        </p:txBody>
+      </p:sp>
+      <p:sp>
+        <p:nvSpPr>
+          <p:cNvPr id="3" name="Content Placeholder 2">
+            <a:extLst>
+              <a:ext uri="{FF2B5EF4-FFF2-40B4-BE49-F238E27FC236}">
+                <a16:creationId xmlns:a16="http://schemas.microsoft.com/office/drawing/2014/main" id="{85E81967-9C36-E365-3643-C3DC5E7E4855}"/>
+              </a:ext>
+            </a:extLst>
+          </p:cNvPr>
+          <p:cNvSpPr>
+            <a:spLocks noGrp="1"/>
+          </p:cNvSpPr>
+          <p:nvPr>
+            <p:ph idx="1"/>
+          </p:nvPr>
+        </p:nvSpPr>
+        <p:spPr/>
+        <p:txBody>
+          <a:bodyPr/>
+          <a:lstStyle/>
+          <a:p>
+            <a:r>
+              <a:rPr lang="en-US" dirty="0"/>
+              <a:t>Relational</a:t>
+            </a:r>
+          </a:p>
+          <a:p>
+            <a:pPr marL="0" indent="0">
+              <a:buNone/>
+            </a:pPr>
+            <a:endParaRPr lang="en-US" dirty="0"/>
+          </a:p>
+          <a:p>
+            <a:pPr marL="0" indent="0">
+              <a:buNone/>
+            </a:pPr>
+            <a:r>
+              <a:rPr lang="en-US" dirty="0"/>
+              <a:t>	</a:t>
+            </a:r>
+          </a:p>
+        </p:txBody>
+      </p:sp>
+      <p:pic>
+        <p:nvPicPr>
+          <p:cNvPr id="6" name="Picture 5">
+            <a:extLst>
+              <a:ext uri="{FF2B5EF4-FFF2-40B4-BE49-F238E27FC236}">
+                <a16:creationId xmlns:a16="http://schemas.microsoft.com/office/drawing/2014/main" id="{2EF9DFAD-9B5A-0B18-64AC-DEAB515EEF09}"/>
+              </a:ext>
+            </a:extLst>
+          </p:cNvPr>
+          <p:cNvPicPr>
+            <a:picLocks noChangeAspect="1"/>
+          </p:cNvPicPr>
+          <p:nvPr/>
+        </p:nvPicPr>
+        <p:blipFill>
+          <a:blip r:embed="rId2"/>
+          <a:stretch>
+            <a:fillRect/>
+          </a:stretch>
+        </p:blipFill>
+        <p:spPr>
+          <a:xfrm>
+            <a:off x="4110818" y="2781244"/>
+            <a:ext cx="3970364" cy="1295512"/>
+          </a:xfrm>
+          <a:prstGeom prst="rect">
+            <a:avLst/>
+          </a:prstGeom>
+        </p:spPr>
+      </p:pic>
+    </p:spTree>
+    <p:extLst>
+      <p:ext uri="{BB962C8B-B14F-4D97-AF65-F5344CB8AC3E}">
+        <p14:creationId xmlns:p14="http://schemas.microsoft.com/office/powerpoint/2010/main" val="1865297624"/>
+      </p:ext>
+    </p:extLst>
+  </p:cSld>
+  <p:clrMapOvr>
+    <a:masterClrMapping/>
+  </p:clrMapOvr>
+</p:sld>
+</file>
+
+<file path=ppt/slides/slide12.xml><?xml version="1.0" encoding="utf-8"?>
+<p:sld xmlns:a="http://schemas.openxmlformats.org/drawingml/2006/main" xmlns:r="http://schemas.openxmlformats.org/officeDocument/2006/relationships" xmlns:p="http://schemas.openxmlformats.org/presentationml/2006/main">
+  <p:cSld>
+    <p:spTree>
+      <p:nvGrpSpPr>
+        <p:cNvPr id="1" name=""/>
+        <p:cNvGrpSpPr/>
+        <p:nvPr/>
+      </p:nvGrpSpPr>
+      <p:grpSpPr>
+        <a:xfrm>
+          <a:off x="0" y="0"/>
+          <a:ext cx="0" cy="0"/>
+          <a:chOff x="0" y="0"/>
+          <a:chExt cx="0" cy="0"/>
+        </a:xfrm>
+      </p:grpSpPr>
+      <p:sp>
+        <p:nvSpPr>
+          <p:cNvPr id="2" name="Title 1">
+            <a:extLst>
+              <a:ext uri="{FF2B5EF4-FFF2-40B4-BE49-F238E27FC236}">
+                <a16:creationId xmlns:a16="http://schemas.microsoft.com/office/drawing/2014/main" id="{C4CBCFD2-A772-171D-F32F-AB39699ACD30}"/>
+              </a:ext>
+            </a:extLst>
+          </p:cNvPr>
+          <p:cNvSpPr>
+            <a:spLocks noGrp="1"/>
+          </p:cNvSpPr>
+          <p:nvPr>
+            <p:ph type="title"/>
+          </p:nvPr>
+        </p:nvSpPr>
+        <p:spPr/>
+        <p:txBody>
+          <a:bodyPr/>
+          <a:lstStyle/>
+          <a:p>
+            <a:r>
+              <a:rPr lang="en-US" dirty="0"/>
+              <a:t>Data model</a:t>
+            </a:r>
+          </a:p>
+        </p:txBody>
+      </p:sp>
+      <p:sp>
+        <p:nvSpPr>
+          <p:cNvPr id="3" name="Content Placeholder 2">
+            <a:extLst>
+              <a:ext uri="{FF2B5EF4-FFF2-40B4-BE49-F238E27FC236}">
+                <a16:creationId xmlns:a16="http://schemas.microsoft.com/office/drawing/2014/main" id="{FA6A1987-91C9-DA0F-5640-80E345A6E0D2}"/>
+              </a:ext>
+            </a:extLst>
+          </p:cNvPr>
+          <p:cNvSpPr>
+            <a:spLocks noGrp="1"/>
+          </p:cNvSpPr>
+          <p:nvPr>
+            <p:ph idx="1"/>
+          </p:nvPr>
+        </p:nvSpPr>
+        <p:spPr/>
+        <p:txBody>
+          <a:bodyPr/>
+          <a:lstStyle/>
+          <a:p>
+            <a:r>
+              <a:rPr lang="en-US" dirty="0"/>
+              <a:t>Dimensional</a:t>
+            </a:r>
+          </a:p>
+          <a:p>
+            <a:pPr marL="0" indent="0">
+              <a:buNone/>
+            </a:pPr>
+            <a:endParaRPr lang="en-US" dirty="0"/>
+          </a:p>
+        </p:txBody>
+      </p:sp>
+      <p:pic>
+        <p:nvPicPr>
+          <p:cNvPr id="5" name="Picture 4">
+            <a:extLst>
+              <a:ext uri="{FF2B5EF4-FFF2-40B4-BE49-F238E27FC236}">
+                <a16:creationId xmlns:a16="http://schemas.microsoft.com/office/drawing/2014/main" id="{CCF88AB2-667A-7EA6-C681-DFC487BA347C}"/>
+              </a:ext>
+            </a:extLst>
+          </p:cNvPr>
+          <p:cNvPicPr>
+            <a:picLocks noChangeAspect="1"/>
+          </p:cNvPicPr>
+          <p:nvPr/>
+        </p:nvPicPr>
+        <p:blipFill>
+          <a:blip r:embed="rId2">
+            <a:extLst>
+              <a:ext uri="{28A0092B-C50C-407E-A947-70E740481C1C}">
+                <a14:useLocalDpi xmlns:a14="http://schemas.microsoft.com/office/drawing/2010/main" val="0"/>
+              </a:ext>
+            </a:extLst>
+          </a:blip>
+          <a:stretch>
+            <a:fillRect/>
+          </a:stretch>
+        </p:blipFill>
+        <p:spPr>
+          <a:xfrm>
+            <a:off x="5050164" y="1690688"/>
+            <a:ext cx="5880340" cy="3872204"/>
+          </a:xfrm>
+          <a:prstGeom prst="rect">
+            <a:avLst/>
+          </a:prstGeom>
+        </p:spPr>
+      </p:pic>
+      <p:sp>
+        <p:nvSpPr>
+          <p:cNvPr id="6" name="TextBox 5">
+            <a:extLst>
+              <a:ext uri="{FF2B5EF4-FFF2-40B4-BE49-F238E27FC236}">
+                <a16:creationId xmlns:a16="http://schemas.microsoft.com/office/drawing/2014/main" id="{15598896-5B86-A908-0386-A172CC14073C}"/>
+              </a:ext>
+            </a:extLst>
+          </p:cNvPr>
+          <p:cNvSpPr txBox="1"/>
+          <p:nvPr/>
+        </p:nvSpPr>
+        <p:spPr>
+          <a:xfrm>
+            <a:off x="297024" y="6354375"/>
+            <a:ext cx="5223289" cy="276999"/>
+          </a:xfrm>
+          <a:prstGeom prst="rect">
+            <a:avLst/>
+          </a:prstGeom>
+          <a:noFill/>
+        </p:spPr>
+        <p:txBody>
+          <a:bodyPr wrap="none" rtlCol="0">
+            <a:spAutoFit/>
+          </a:bodyPr>
+          <a:lstStyle/>
+          <a:p>
+            <a:r>
+              <a:rPr lang="en-US" sz="1200" dirty="0"/>
+              <a:t>Source : https://www.gooddata.com/blog/relational-dimensional-data-models</a:t>
+            </a:r>
+          </a:p>
+        </p:txBody>
+      </p:sp>
+    </p:spTree>
+    <p:extLst>
+      <p:ext uri="{BB962C8B-B14F-4D97-AF65-F5344CB8AC3E}">
+        <p14:creationId xmlns:p14="http://schemas.microsoft.com/office/powerpoint/2010/main" val="936648297"/>
+      </p:ext>
+    </p:extLst>
+  </p:cSld>
+  <p:clrMapOvr>
+    <a:masterClrMapping/>
+  </p:clrMapOvr>
+</p:sld>
+</file>
+
 <file path=ppt/slides/slide2.xml><?xml version="1.0" encoding="utf-8"?>
 <p:sld xmlns:a="http://schemas.openxmlformats.org/drawingml/2006/main" xmlns:r="http://schemas.openxmlformats.org/officeDocument/2006/relationships" xmlns:p="http://schemas.openxmlformats.org/presentationml/2006/main">
   <p:cSld>
@@ -4395,14 +4820,15 @@
           </a:p>
           <a:p>
             <a:r>
+              <a:rPr lang="en-US"/>
+              <a:t>Operational requirements</a:t>
+            </a:r>
+            <a:endParaRPr lang="en-US" dirty="0"/>
+          </a:p>
+          <a:p>
+            <a:r>
               <a:rPr lang="en-US" dirty="0"/>
               <a:t>Technical requirements</a:t>
-            </a:r>
-          </a:p>
-          <a:p>
-            <a:r>
-              <a:rPr lang="en-US" dirty="0"/>
-              <a:t>Operational requirements</a:t>
             </a:r>
           </a:p>
         </p:txBody>
@@ -4411,6 +4837,140 @@
     <p:extLst>
       <p:ext uri="{BB962C8B-B14F-4D97-AF65-F5344CB8AC3E}">
         <p14:creationId xmlns:p14="http://schemas.microsoft.com/office/powerpoint/2010/main" val="665620448"/>
+      </p:ext>
+    </p:extLst>
+  </p:cSld>
+  <p:clrMapOvr>
+    <a:masterClrMapping/>
+  </p:clrMapOvr>
+</p:sld>
+</file>
+
+<file path=ppt/slides/slide9.xml><?xml version="1.0" encoding="utf-8"?>
+<p:sld xmlns:a="http://schemas.openxmlformats.org/drawingml/2006/main" xmlns:r="http://schemas.openxmlformats.org/officeDocument/2006/relationships" xmlns:p="http://schemas.openxmlformats.org/presentationml/2006/main">
+  <p:cSld>
+    <p:spTree>
+      <p:nvGrpSpPr>
+        <p:cNvPr id="1" name=""/>
+        <p:cNvGrpSpPr/>
+        <p:nvPr/>
+      </p:nvGrpSpPr>
+      <p:grpSpPr>
+        <a:xfrm>
+          <a:off x="0" y="0"/>
+          <a:ext cx="0" cy="0"/>
+          <a:chOff x="0" y="0"/>
+          <a:chExt cx="0" cy="0"/>
+        </a:xfrm>
+      </p:grpSpPr>
+      <p:sp>
+        <p:nvSpPr>
+          <p:cNvPr id="2" name="Title 1">
+            <a:extLst>
+              <a:ext uri="{FF2B5EF4-FFF2-40B4-BE49-F238E27FC236}">
+                <a16:creationId xmlns:a16="http://schemas.microsoft.com/office/drawing/2014/main" id="{F29DEA90-F46C-63ED-33CA-DDB285ABA01C}"/>
+              </a:ext>
+            </a:extLst>
+          </p:cNvPr>
+          <p:cNvSpPr>
+            <a:spLocks noGrp="1"/>
+          </p:cNvSpPr>
+          <p:nvPr>
+            <p:ph type="title"/>
+          </p:nvPr>
+        </p:nvSpPr>
+        <p:spPr/>
+        <p:txBody>
+          <a:bodyPr/>
+          <a:lstStyle/>
+          <a:p>
+            <a:r>
+              <a:rPr lang="en-US" dirty="0"/>
+              <a:t>Data model</a:t>
+            </a:r>
+          </a:p>
+        </p:txBody>
+      </p:sp>
+      <p:sp>
+        <p:nvSpPr>
+          <p:cNvPr id="3" name="Content Placeholder 2">
+            <a:extLst>
+              <a:ext uri="{FF2B5EF4-FFF2-40B4-BE49-F238E27FC236}">
+                <a16:creationId xmlns:a16="http://schemas.microsoft.com/office/drawing/2014/main" id="{DF0A4EF5-0ADC-F3CC-0A34-A11043407E9E}"/>
+              </a:ext>
+            </a:extLst>
+          </p:cNvPr>
+          <p:cNvSpPr>
+            <a:spLocks noGrp="1"/>
+          </p:cNvSpPr>
+          <p:nvPr>
+            <p:ph idx="1"/>
+          </p:nvPr>
+        </p:nvSpPr>
+        <p:spPr/>
+        <p:txBody>
+          <a:bodyPr/>
+          <a:lstStyle/>
+          <a:p>
+            <a:r>
+              <a:rPr lang="en-US" dirty="0"/>
+              <a:t>Relational data model</a:t>
+            </a:r>
+          </a:p>
+          <a:p>
+            <a:pPr marL="457200" lvl="1" indent="0">
+              <a:buNone/>
+            </a:pPr>
+            <a:r>
+              <a:rPr lang="en-US" dirty="0"/>
+              <a:t>	 &gt;&gt;&gt; retrievals</a:t>
+            </a:r>
+          </a:p>
+          <a:p>
+            <a:pPr marL="457200" lvl="1" indent="0">
+              <a:buNone/>
+            </a:pPr>
+            <a:r>
+              <a:rPr lang="en-US" dirty="0"/>
+              <a:t>	 &gt;&gt;&gt; objects, attributes, relationships</a:t>
+            </a:r>
+          </a:p>
+          <a:p>
+            <a:r>
+              <a:rPr lang="en-US" dirty="0"/>
+              <a:t>Dimensional data model</a:t>
+            </a:r>
+          </a:p>
+          <a:p>
+            <a:pPr marL="457200" lvl="1" indent="0">
+              <a:buNone/>
+            </a:pPr>
+            <a:r>
+              <a:rPr lang="en-US" dirty="0"/>
+              <a:t>	 &gt;&gt;&gt; analytics</a:t>
+            </a:r>
+          </a:p>
+          <a:p>
+            <a:pPr marL="457200" lvl="1" indent="0">
+              <a:buNone/>
+            </a:pPr>
+            <a:r>
+              <a:rPr lang="en-US" dirty="0"/>
+              <a:t>	 &gt;&gt;&gt; facts, dimensions</a:t>
+            </a:r>
+          </a:p>
+          <a:p>
+            <a:pPr marL="0" indent="0">
+              <a:buNone/>
+            </a:pPr>
+            <a:endParaRPr lang="en-US" dirty="0"/>
+          </a:p>
+        </p:txBody>
+      </p:sp>
+    </p:spTree>
+    <p:extLst>
+      <p:ext uri="{BB962C8B-B14F-4D97-AF65-F5344CB8AC3E}">
+        <p14:creationId xmlns:p14="http://schemas.microsoft.com/office/powerpoint/2010/main" val="1819280943"/>
       </p:ext>
     </p:extLst>
   </p:cSld>

--- a/Analisa Kebutuhan Perangkat Lunak.pptx
+++ b/Analisa Kebutuhan Perangkat Lunak.pptx
@@ -17,6 +17,7 @@
     <p:sldId id="278" r:id="rId11"/>
     <p:sldId id="279" r:id="rId12"/>
     <p:sldId id="280" r:id="rId13"/>
+    <p:sldId id="281" r:id="rId14"/>
   </p:sldIdLst>
   <p:sldSz cx="12192000" cy="6858000"/>
   <p:notesSz cx="6858000" cy="9144000"/>
@@ -270,7 +271,7 @@
           <a:p>
             <a:fld id="{ED86A2F2-937C-4F1B-830B-247206E8BE7F}" type="datetimeFigureOut">
               <a:rPr lang="en-US" smtClean="0"/>
-              <a:t>9/18/2023</a:t>
+              <a:t>9/19/2023</a:t>
             </a:fld>
             <a:endParaRPr lang="en-US"/>
           </a:p>
@@ -468,7 +469,7 @@
           <a:p>
             <a:fld id="{ED86A2F2-937C-4F1B-830B-247206E8BE7F}" type="datetimeFigureOut">
               <a:rPr lang="en-US" smtClean="0"/>
-              <a:t>9/18/2023</a:t>
+              <a:t>9/19/2023</a:t>
             </a:fld>
             <a:endParaRPr lang="en-US"/>
           </a:p>
@@ -676,7 +677,7 @@
           <a:p>
             <a:fld id="{ED86A2F2-937C-4F1B-830B-247206E8BE7F}" type="datetimeFigureOut">
               <a:rPr lang="en-US" smtClean="0"/>
-              <a:t>9/18/2023</a:t>
+              <a:t>9/19/2023</a:t>
             </a:fld>
             <a:endParaRPr lang="en-US"/>
           </a:p>
@@ -874,7 +875,7 @@
           <a:p>
             <a:fld id="{ED86A2F2-937C-4F1B-830B-247206E8BE7F}" type="datetimeFigureOut">
               <a:rPr lang="en-US" smtClean="0"/>
-              <a:t>9/18/2023</a:t>
+              <a:t>9/19/2023</a:t>
             </a:fld>
             <a:endParaRPr lang="en-US"/>
           </a:p>
@@ -1149,7 +1150,7 @@
           <a:p>
             <a:fld id="{ED86A2F2-937C-4F1B-830B-247206E8BE7F}" type="datetimeFigureOut">
               <a:rPr lang="en-US" smtClean="0"/>
-              <a:t>9/18/2023</a:t>
+              <a:t>9/19/2023</a:t>
             </a:fld>
             <a:endParaRPr lang="en-US"/>
           </a:p>
@@ -1414,7 +1415,7 @@
           <a:p>
             <a:fld id="{ED86A2F2-937C-4F1B-830B-247206E8BE7F}" type="datetimeFigureOut">
               <a:rPr lang="en-US" smtClean="0"/>
-              <a:t>9/18/2023</a:t>
+              <a:t>9/19/2023</a:t>
             </a:fld>
             <a:endParaRPr lang="en-US"/>
           </a:p>
@@ -1826,7 +1827,7 @@
           <a:p>
             <a:fld id="{ED86A2F2-937C-4F1B-830B-247206E8BE7F}" type="datetimeFigureOut">
               <a:rPr lang="en-US" smtClean="0"/>
-              <a:t>9/18/2023</a:t>
+              <a:t>9/19/2023</a:t>
             </a:fld>
             <a:endParaRPr lang="en-US"/>
           </a:p>
@@ -1967,7 +1968,7 @@
           <a:p>
             <a:fld id="{ED86A2F2-937C-4F1B-830B-247206E8BE7F}" type="datetimeFigureOut">
               <a:rPr lang="en-US" smtClean="0"/>
-              <a:t>9/18/2023</a:t>
+              <a:t>9/19/2023</a:t>
             </a:fld>
             <a:endParaRPr lang="en-US"/>
           </a:p>
@@ -2080,7 +2081,7 @@
           <a:p>
             <a:fld id="{ED86A2F2-937C-4F1B-830B-247206E8BE7F}" type="datetimeFigureOut">
               <a:rPr lang="en-US" smtClean="0"/>
-              <a:t>9/18/2023</a:t>
+              <a:t>9/19/2023</a:t>
             </a:fld>
             <a:endParaRPr lang="en-US"/>
           </a:p>
@@ -2391,7 +2392,7 @@
           <a:p>
             <a:fld id="{ED86A2F2-937C-4F1B-830B-247206E8BE7F}" type="datetimeFigureOut">
               <a:rPr lang="en-US" smtClean="0"/>
-              <a:t>9/18/2023</a:t>
+              <a:t>9/19/2023</a:t>
             </a:fld>
             <a:endParaRPr lang="en-US"/>
           </a:p>
@@ -2679,7 +2680,7 @@
           <a:p>
             <a:fld id="{ED86A2F2-937C-4F1B-830B-247206E8BE7F}" type="datetimeFigureOut">
               <a:rPr lang="en-US" smtClean="0"/>
-              <a:t>9/18/2023</a:t>
+              <a:t>9/19/2023</a:t>
             </a:fld>
             <a:endParaRPr lang="en-US"/>
           </a:p>
@@ -2920,7 +2921,7 @@
           <a:p>
             <a:fld id="{ED86A2F2-937C-4F1B-830B-247206E8BE7F}" type="datetimeFigureOut">
               <a:rPr lang="en-US" smtClean="0"/>
-              <a:t>9/18/2023</a:t>
+              <a:t>9/19/2023</a:t>
             </a:fld>
             <a:endParaRPr lang="en-US"/>
           </a:p>
@@ -3929,6 +3930,191 @@
 </p:sld>
 </file>
 
+<file path=ppt/slides/slide13.xml><?xml version="1.0" encoding="utf-8"?>
+<p:sld xmlns:a="http://schemas.openxmlformats.org/drawingml/2006/main" xmlns:r="http://schemas.openxmlformats.org/officeDocument/2006/relationships" xmlns:p="http://schemas.openxmlformats.org/presentationml/2006/main">
+  <p:cSld>
+    <p:spTree>
+      <p:nvGrpSpPr>
+        <p:cNvPr id="1" name=""/>
+        <p:cNvGrpSpPr/>
+        <p:nvPr/>
+      </p:nvGrpSpPr>
+      <p:grpSpPr>
+        <a:xfrm>
+          <a:off x="0" y="0"/>
+          <a:ext cx="0" cy="0"/>
+          <a:chOff x="0" y="0"/>
+          <a:chExt cx="0" cy="0"/>
+        </a:xfrm>
+      </p:grpSpPr>
+      <p:sp>
+        <p:nvSpPr>
+          <p:cNvPr id="2" name="Title 1">
+            <a:extLst>
+              <a:ext uri="{FF2B5EF4-FFF2-40B4-BE49-F238E27FC236}">
+                <a16:creationId xmlns:a16="http://schemas.microsoft.com/office/drawing/2014/main" id="{C4CBCFD2-A772-171D-F32F-AB39699ACD30}"/>
+              </a:ext>
+            </a:extLst>
+          </p:cNvPr>
+          <p:cNvSpPr>
+            <a:spLocks noGrp="1"/>
+          </p:cNvSpPr>
+          <p:nvPr>
+            <p:ph type="title"/>
+          </p:nvPr>
+        </p:nvSpPr>
+        <p:spPr/>
+        <p:txBody>
+          <a:bodyPr/>
+          <a:lstStyle/>
+          <a:p>
+            <a:r>
+              <a:rPr lang="en-US" dirty="0"/>
+              <a:t>Feature flow</a:t>
+            </a:r>
+          </a:p>
+        </p:txBody>
+      </p:sp>
+      <p:sp>
+        <p:nvSpPr>
+          <p:cNvPr id="3" name="Content Placeholder 2">
+            <a:extLst>
+              <a:ext uri="{FF2B5EF4-FFF2-40B4-BE49-F238E27FC236}">
+                <a16:creationId xmlns:a16="http://schemas.microsoft.com/office/drawing/2014/main" id="{FA6A1987-91C9-DA0F-5640-80E345A6E0D2}"/>
+              </a:ext>
+            </a:extLst>
+          </p:cNvPr>
+          <p:cNvSpPr>
+            <a:spLocks noGrp="1"/>
+          </p:cNvSpPr>
+          <p:nvPr>
+            <p:ph idx="1"/>
+          </p:nvPr>
+        </p:nvSpPr>
+        <p:spPr/>
+        <p:txBody>
+          <a:bodyPr>
+            <a:normAutofit fontScale="92500" lnSpcReduction="20000"/>
+          </a:bodyPr>
+          <a:lstStyle/>
+          <a:p>
+            <a:r>
+              <a:rPr lang="en-US" dirty="0"/>
+              <a:t>Normal flow/happy path/positive flow</a:t>
+            </a:r>
+          </a:p>
+          <a:p>
+            <a:pPr lvl="1"/>
+            <a:r>
+              <a:rPr lang="en-US" dirty="0"/>
+              <a:t>Login :</a:t>
+            </a:r>
+          </a:p>
+          <a:p>
+            <a:pPr marL="457200" lvl="1" indent="0">
+              <a:buNone/>
+            </a:pPr>
+            <a:r>
+              <a:rPr lang="en-US" dirty="0"/>
+              <a:t>	- User input correct username &amp; password</a:t>
+            </a:r>
+          </a:p>
+          <a:p>
+            <a:pPr marL="457200" lvl="1" indent="0">
+              <a:buNone/>
+            </a:pPr>
+            <a:r>
+              <a:rPr lang="en-US" dirty="0"/>
+              <a:t>	- User clicks “Login”</a:t>
+            </a:r>
+          </a:p>
+          <a:p>
+            <a:pPr marL="457200" lvl="1" indent="0">
+              <a:buNone/>
+            </a:pPr>
+            <a:r>
+              <a:rPr lang="en-US" dirty="0"/>
+              <a:t>	- System shows the landing page</a:t>
+            </a:r>
+          </a:p>
+          <a:p>
+            <a:r>
+              <a:rPr lang="en-US" dirty="0"/>
+              <a:t>Alternate flow/negative flow</a:t>
+            </a:r>
+          </a:p>
+          <a:p>
+            <a:pPr lvl="1"/>
+            <a:r>
+              <a:rPr lang="en-US" dirty="0"/>
+              <a:t>Login :</a:t>
+            </a:r>
+          </a:p>
+          <a:p>
+            <a:pPr marL="457200" lvl="1" indent="0">
+              <a:buNone/>
+            </a:pPr>
+            <a:r>
+              <a:rPr lang="en-US" dirty="0"/>
+              <a:t>	- User input incorrect username &amp; password</a:t>
+            </a:r>
+          </a:p>
+          <a:p>
+            <a:pPr marL="457200" lvl="1" indent="0">
+              <a:buNone/>
+            </a:pPr>
+            <a:r>
+              <a:rPr lang="en-US" dirty="0"/>
+              <a:t>	- User clicks “Login”</a:t>
+            </a:r>
+          </a:p>
+          <a:p>
+            <a:pPr marL="457200" lvl="1" indent="0">
+              <a:buNone/>
+            </a:pPr>
+            <a:r>
+              <a:rPr lang="en-US" dirty="0"/>
+              <a:t>	- System shows error popup “Username or password </a:t>
+            </a:r>
+            <a:r>
+              <a:rPr lang="en-US"/>
+              <a:t>is incorrect”</a:t>
+            </a:r>
+            <a:endParaRPr lang="en-US" dirty="0"/>
+          </a:p>
+          <a:p>
+            <a:r>
+              <a:rPr lang="en-US" dirty="0"/>
+              <a:t>Pre-condition</a:t>
+            </a:r>
+          </a:p>
+          <a:p>
+            <a:r>
+              <a:rPr lang="en-US" dirty="0"/>
+              <a:t>Post-condition</a:t>
+            </a:r>
+          </a:p>
+          <a:p>
+            <a:pPr marL="0" indent="0">
+              <a:buNone/>
+            </a:pPr>
+            <a:endParaRPr lang="en-US" dirty="0"/>
+          </a:p>
+        </p:txBody>
+      </p:sp>
+    </p:spTree>
+    <p:extLst>
+      <p:ext uri="{BB962C8B-B14F-4D97-AF65-F5344CB8AC3E}">
+        <p14:creationId xmlns:p14="http://schemas.microsoft.com/office/powerpoint/2010/main" val="1679490346"/>
+      </p:ext>
+    </p:extLst>
+  </p:cSld>
+  <p:clrMapOvr>
+    <a:masterClrMapping/>
+  </p:clrMapOvr>
+</p:sld>
+</file>
+
 <file path=ppt/slides/slide2.xml><?xml version="1.0" encoding="utf-8"?>
 <p:sld xmlns:a="http://schemas.openxmlformats.org/drawingml/2006/main" xmlns:r="http://schemas.openxmlformats.org/officeDocument/2006/relationships" xmlns:p="http://schemas.openxmlformats.org/presentationml/2006/main">
   <p:cSld>

--- a/Analisa Kebutuhan Perangkat Lunak.pptx
+++ b/Analisa Kebutuhan Perangkat Lunak.pptx
@@ -18,6 +18,9 @@
     <p:sldId id="279" r:id="rId12"/>
     <p:sldId id="280" r:id="rId13"/>
     <p:sldId id="281" r:id="rId14"/>
+    <p:sldId id="284" r:id="rId15"/>
+    <p:sldId id="282" r:id="rId16"/>
+    <p:sldId id="283" r:id="rId17"/>
   </p:sldIdLst>
   <p:sldSz cx="12192000" cy="6858000"/>
   <p:notesSz cx="6858000" cy="9144000"/>
@@ -4074,13 +4077,8 @@
             </a:pPr>
             <a:r>
               <a:rPr lang="en-US" dirty="0"/>
-              <a:t>	- System shows error popup “Username or password </a:t>
-            </a:r>
-            <a:r>
-              <a:rPr lang="en-US"/>
-              <a:t>is incorrect”</a:t>
-            </a:r>
-            <a:endParaRPr lang="en-US" dirty="0"/>
+              <a:t>	- System shows error popup “Username or password is incorrect”</a:t>
+            </a:r>
           </a:p>
           <a:p>
             <a:r>
@@ -4106,6 +4104,479 @@
     <p:extLst>
       <p:ext uri="{BB962C8B-B14F-4D97-AF65-F5344CB8AC3E}">
         <p14:creationId xmlns:p14="http://schemas.microsoft.com/office/powerpoint/2010/main" val="1679490346"/>
+      </p:ext>
+    </p:extLst>
+  </p:cSld>
+  <p:clrMapOvr>
+    <a:masterClrMapping/>
+  </p:clrMapOvr>
+</p:sld>
+</file>
+
+<file path=ppt/slides/slide14.xml><?xml version="1.0" encoding="utf-8"?>
+<p:sld xmlns:a="http://schemas.openxmlformats.org/drawingml/2006/main" xmlns:r="http://schemas.openxmlformats.org/officeDocument/2006/relationships" xmlns:p="http://schemas.openxmlformats.org/presentationml/2006/main">
+  <p:cSld>
+    <p:spTree>
+      <p:nvGrpSpPr>
+        <p:cNvPr id="1" name=""/>
+        <p:cNvGrpSpPr/>
+        <p:nvPr/>
+      </p:nvGrpSpPr>
+      <p:grpSpPr>
+        <a:xfrm>
+          <a:off x="0" y="0"/>
+          <a:ext cx="0" cy="0"/>
+          <a:chOff x="0" y="0"/>
+          <a:chExt cx="0" cy="0"/>
+        </a:xfrm>
+      </p:grpSpPr>
+      <p:sp>
+        <p:nvSpPr>
+          <p:cNvPr id="2" name="Title 1">
+            <a:extLst>
+              <a:ext uri="{FF2B5EF4-FFF2-40B4-BE49-F238E27FC236}">
+                <a16:creationId xmlns:a16="http://schemas.microsoft.com/office/drawing/2014/main" id="{7932DD89-985E-EC98-8CA3-2BD5334DC5FC}"/>
+              </a:ext>
+            </a:extLst>
+          </p:cNvPr>
+          <p:cNvSpPr>
+            <a:spLocks noGrp="1"/>
+          </p:cNvSpPr>
+          <p:nvPr>
+            <p:ph type="title"/>
+          </p:nvPr>
+        </p:nvSpPr>
+        <p:spPr/>
+        <p:txBody>
+          <a:bodyPr/>
+          <a:lstStyle/>
+          <a:p>
+            <a:r>
+              <a:rPr lang="en-US" dirty="0"/>
+              <a:t>Test scenario</a:t>
+            </a:r>
+          </a:p>
+        </p:txBody>
+      </p:sp>
+      <p:sp>
+        <p:nvSpPr>
+          <p:cNvPr id="3" name="Content Placeholder 2">
+            <a:extLst>
+              <a:ext uri="{FF2B5EF4-FFF2-40B4-BE49-F238E27FC236}">
+                <a16:creationId xmlns:a16="http://schemas.microsoft.com/office/drawing/2014/main" id="{2686BB89-7B0A-C9DE-EC59-1B7C3D80D26E}"/>
+              </a:ext>
+            </a:extLst>
+          </p:cNvPr>
+          <p:cNvSpPr>
+            <a:spLocks noGrp="1"/>
+          </p:cNvSpPr>
+          <p:nvPr>
+            <p:ph idx="1"/>
+          </p:nvPr>
+        </p:nvSpPr>
+        <p:spPr/>
+        <p:txBody>
+          <a:bodyPr>
+            <a:normAutofit/>
+          </a:bodyPr>
+          <a:lstStyle/>
+          <a:p>
+            <a:r>
+              <a:rPr lang="en-US" dirty="0"/>
+              <a:t>Created by QA or Business Analyst</a:t>
+            </a:r>
+          </a:p>
+          <a:p>
+            <a:r>
+              <a:rPr lang="en-US" dirty="0"/>
+              <a:t>Refer to the requirements such as feature flow, UI mockup, non-functional requirements</a:t>
+            </a:r>
+          </a:p>
+          <a:p>
+            <a:r>
+              <a:rPr lang="en-US" dirty="0"/>
+              <a:t>Tools (examples)</a:t>
+            </a:r>
+          </a:p>
+          <a:p>
+            <a:pPr lvl="1"/>
+            <a:r>
+              <a:rPr lang="en-US" dirty="0"/>
+              <a:t>API test : Postman, Swagger</a:t>
+            </a:r>
+          </a:p>
+          <a:p>
+            <a:pPr lvl="1"/>
+            <a:r>
+              <a:rPr lang="en-US" dirty="0"/>
+              <a:t>UI automation test (web) : Selenium</a:t>
+            </a:r>
+          </a:p>
+          <a:p>
+            <a:pPr lvl="1"/>
+            <a:r>
+              <a:rPr lang="en-US" dirty="0"/>
+              <a:t>Security test : </a:t>
+            </a:r>
+            <a:r>
+              <a:rPr lang="en-US" dirty="0">
+                <a:hlinkClick r:id="rId2"/>
+              </a:rPr>
+              <a:t>https://observatory.mozilla.org/</a:t>
+            </a:r>
+            <a:endParaRPr lang="en-US" dirty="0"/>
+          </a:p>
+          <a:p>
+            <a:pPr lvl="1"/>
+            <a:r>
+              <a:rPr lang="en-US" dirty="0"/>
+              <a:t>Performance test </a:t>
+            </a:r>
+            <a:r>
+              <a:rPr lang="en-US"/>
+              <a:t>: JMeter</a:t>
+            </a:r>
+            <a:endParaRPr lang="en-US" dirty="0"/>
+          </a:p>
+        </p:txBody>
+      </p:sp>
+    </p:spTree>
+    <p:extLst>
+      <p:ext uri="{BB962C8B-B14F-4D97-AF65-F5344CB8AC3E}">
+        <p14:creationId xmlns:p14="http://schemas.microsoft.com/office/powerpoint/2010/main" val="198006077"/>
+      </p:ext>
+    </p:extLst>
+  </p:cSld>
+  <p:clrMapOvr>
+    <a:masterClrMapping/>
+  </p:clrMapOvr>
+</p:sld>
+</file>
+
+<file path=ppt/slides/slide15.xml><?xml version="1.0" encoding="utf-8"?>
+<p:sld xmlns:a="http://schemas.openxmlformats.org/drawingml/2006/main" xmlns:r="http://schemas.openxmlformats.org/officeDocument/2006/relationships" xmlns:p="http://schemas.openxmlformats.org/presentationml/2006/main">
+  <p:cSld>
+    <p:spTree>
+      <p:nvGrpSpPr>
+        <p:cNvPr id="1" name=""/>
+        <p:cNvGrpSpPr/>
+        <p:nvPr/>
+      </p:nvGrpSpPr>
+      <p:grpSpPr>
+        <a:xfrm>
+          <a:off x="0" y="0"/>
+          <a:ext cx="0" cy="0"/>
+          <a:chOff x="0" y="0"/>
+          <a:chExt cx="0" cy="0"/>
+        </a:xfrm>
+      </p:grpSpPr>
+      <p:sp>
+        <p:nvSpPr>
+          <p:cNvPr id="2" name="Title 1">
+            <a:extLst>
+              <a:ext uri="{FF2B5EF4-FFF2-40B4-BE49-F238E27FC236}">
+                <a16:creationId xmlns:a16="http://schemas.microsoft.com/office/drawing/2014/main" id="{7932DD89-985E-EC98-8CA3-2BD5334DC5FC}"/>
+              </a:ext>
+            </a:extLst>
+          </p:cNvPr>
+          <p:cNvSpPr>
+            <a:spLocks noGrp="1"/>
+          </p:cNvSpPr>
+          <p:nvPr>
+            <p:ph type="title"/>
+          </p:nvPr>
+        </p:nvSpPr>
+        <p:spPr/>
+        <p:txBody>
+          <a:bodyPr/>
+          <a:lstStyle/>
+          <a:p>
+            <a:r>
+              <a:rPr lang="en-US" dirty="0"/>
+              <a:t>Test scenario</a:t>
+            </a:r>
+          </a:p>
+        </p:txBody>
+      </p:sp>
+      <p:sp>
+        <p:nvSpPr>
+          <p:cNvPr id="3" name="Content Placeholder 2">
+            <a:extLst>
+              <a:ext uri="{FF2B5EF4-FFF2-40B4-BE49-F238E27FC236}">
+                <a16:creationId xmlns:a16="http://schemas.microsoft.com/office/drawing/2014/main" id="{2686BB89-7B0A-C9DE-EC59-1B7C3D80D26E}"/>
+              </a:ext>
+            </a:extLst>
+          </p:cNvPr>
+          <p:cNvSpPr>
+            <a:spLocks noGrp="1"/>
+          </p:cNvSpPr>
+          <p:nvPr>
+            <p:ph idx="1"/>
+          </p:nvPr>
+        </p:nvSpPr>
+        <p:spPr/>
+        <p:txBody>
+          <a:bodyPr/>
+          <a:lstStyle/>
+          <a:p>
+            <a:r>
+              <a:rPr lang="en-US" dirty="0"/>
+              <a:t>Positive test scenario</a:t>
+            </a:r>
+          </a:p>
+          <a:p>
+            <a:pPr lvl="1">
+              <a:buFont typeface="Wingdings" panose="05000000000000000000" pitchFamily="2" charset="2"/>
+              <a:buChar char="§"/>
+            </a:pPr>
+            <a:r>
+              <a:rPr lang="en-US" dirty="0"/>
+              <a:t>Login</a:t>
+            </a:r>
+          </a:p>
+          <a:p>
+            <a:pPr lvl="2"/>
+            <a:r>
+              <a:rPr lang="en-US" dirty="0"/>
+              <a:t>Steps :</a:t>
+            </a:r>
+          </a:p>
+          <a:p>
+            <a:pPr lvl="3">
+              <a:buFont typeface="Wingdings" panose="05000000000000000000" pitchFamily="2" charset="2"/>
+              <a:buChar char="Ø"/>
+            </a:pPr>
+            <a:r>
+              <a:rPr lang="en-US" dirty="0"/>
+              <a:t>User input correct username &amp; password</a:t>
+            </a:r>
+          </a:p>
+          <a:p>
+            <a:pPr lvl="3">
+              <a:buFont typeface="Wingdings" panose="05000000000000000000" pitchFamily="2" charset="2"/>
+              <a:buChar char="Ø"/>
+            </a:pPr>
+            <a:r>
+              <a:rPr lang="en-US" dirty="0"/>
+              <a:t>User clicks “Login”</a:t>
+            </a:r>
+          </a:p>
+          <a:p>
+            <a:pPr lvl="2"/>
+            <a:r>
+              <a:rPr lang="en-US" dirty="0"/>
+              <a:t>Expected result :</a:t>
+            </a:r>
+          </a:p>
+          <a:p>
+            <a:pPr lvl="3">
+              <a:buFont typeface="Wingdings" panose="05000000000000000000" pitchFamily="2" charset="2"/>
+              <a:buChar char="Ø"/>
+            </a:pPr>
+            <a:r>
+              <a:rPr lang="en-US" dirty="0"/>
+              <a:t>System shows Dashboard</a:t>
+            </a:r>
+          </a:p>
+        </p:txBody>
+      </p:sp>
+    </p:spTree>
+    <p:extLst>
+      <p:ext uri="{BB962C8B-B14F-4D97-AF65-F5344CB8AC3E}">
+        <p14:creationId xmlns:p14="http://schemas.microsoft.com/office/powerpoint/2010/main" val="174534683"/>
+      </p:ext>
+    </p:extLst>
+  </p:cSld>
+  <p:clrMapOvr>
+    <a:masterClrMapping/>
+  </p:clrMapOvr>
+</p:sld>
+</file>
+
+<file path=ppt/slides/slide16.xml><?xml version="1.0" encoding="utf-8"?>
+<p:sld xmlns:a="http://schemas.openxmlformats.org/drawingml/2006/main" xmlns:r="http://schemas.openxmlformats.org/officeDocument/2006/relationships" xmlns:p="http://schemas.openxmlformats.org/presentationml/2006/main">
+  <p:cSld>
+    <p:spTree>
+      <p:nvGrpSpPr>
+        <p:cNvPr id="1" name=""/>
+        <p:cNvGrpSpPr/>
+        <p:nvPr/>
+      </p:nvGrpSpPr>
+      <p:grpSpPr>
+        <a:xfrm>
+          <a:off x="0" y="0"/>
+          <a:ext cx="0" cy="0"/>
+          <a:chOff x="0" y="0"/>
+          <a:chExt cx="0" cy="0"/>
+        </a:xfrm>
+      </p:grpSpPr>
+      <p:sp>
+        <p:nvSpPr>
+          <p:cNvPr id="2" name="Title 1">
+            <a:extLst>
+              <a:ext uri="{FF2B5EF4-FFF2-40B4-BE49-F238E27FC236}">
+                <a16:creationId xmlns:a16="http://schemas.microsoft.com/office/drawing/2014/main" id="{7932DD89-985E-EC98-8CA3-2BD5334DC5FC}"/>
+              </a:ext>
+            </a:extLst>
+          </p:cNvPr>
+          <p:cNvSpPr>
+            <a:spLocks noGrp="1"/>
+          </p:cNvSpPr>
+          <p:nvPr>
+            <p:ph type="title"/>
+          </p:nvPr>
+        </p:nvSpPr>
+        <p:spPr/>
+        <p:txBody>
+          <a:bodyPr/>
+          <a:lstStyle/>
+          <a:p>
+            <a:r>
+              <a:rPr lang="en-US" dirty="0"/>
+              <a:t>Test scenario</a:t>
+            </a:r>
+          </a:p>
+        </p:txBody>
+      </p:sp>
+      <p:sp>
+        <p:nvSpPr>
+          <p:cNvPr id="3" name="Content Placeholder 2">
+            <a:extLst>
+              <a:ext uri="{FF2B5EF4-FFF2-40B4-BE49-F238E27FC236}">
+                <a16:creationId xmlns:a16="http://schemas.microsoft.com/office/drawing/2014/main" id="{2686BB89-7B0A-C9DE-EC59-1B7C3D80D26E}"/>
+              </a:ext>
+            </a:extLst>
+          </p:cNvPr>
+          <p:cNvSpPr>
+            <a:spLocks noGrp="1"/>
+          </p:cNvSpPr>
+          <p:nvPr>
+            <p:ph idx="1"/>
+          </p:nvPr>
+        </p:nvSpPr>
+        <p:spPr/>
+        <p:txBody>
+          <a:bodyPr>
+            <a:normAutofit/>
+          </a:bodyPr>
+          <a:lstStyle/>
+          <a:p>
+            <a:r>
+              <a:rPr lang="en-US" dirty="0"/>
+              <a:t>Negative test scenario</a:t>
+            </a:r>
+          </a:p>
+          <a:p>
+            <a:pPr lvl="1">
+              <a:buFont typeface="Wingdings" panose="05000000000000000000" pitchFamily="2" charset="2"/>
+              <a:buChar char="§"/>
+            </a:pPr>
+            <a:r>
+              <a:rPr lang="en-US" dirty="0"/>
+              <a:t>Login – Invalid username or password</a:t>
+            </a:r>
+          </a:p>
+          <a:p>
+            <a:pPr lvl="2"/>
+            <a:r>
+              <a:rPr lang="en-US" dirty="0"/>
+              <a:t>Steps :</a:t>
+            </a:r>
+          </a:p>
+          <a:p>
+            <a:pPr lvl="3">
+              <a:buFont typeface="Wingdings" panose="05000000000000000000" pitchFamily="2" charset="2"/>
+              <a:buChar char="Ø"/>
+            </a:pPr>
+            <a:r>
+              <a:rPr lang="en-US" dirty="0"/>
+              <a:t>User input incorrect username or password</a:t>
+            </a:r>
+          </a:p>
+          <a:p>
+            <a:pPr lvl="3">
+              <a:buFont typeface="Wingdings" panose="05000000000000000000" pitchFamily="2" charset="2"/>
+              <a:buChar char="Ø"/>
+            </a:pPr>
+            <a:r>
+              <a:rPr lang="en-US" dirty="0"/>
+              <a:t>User clicks “Login”</a:t>
+            </a:r>
+          </a:p>
+          <a:p>
+            <a:pPr lvl="2"/>
+            <a:r>
+              <a:rPr lang="en-US" dirty="0"/>
+              <a:t>Expected result :</a:t>
+            </a:r>
+          </a:p>
+          <a:p>
+            <a:pPr lvl="3">
+              <a:buFont typeface="Wingdings" panose="05000000000000000000" pitchFamily="2" charset="2"/>
+              <a:buChar char="Ø"/>
+            </a:pPr>
+            <a:r>
+              <a:rPr lang="en-US" dirty="0"/>
+              <a:t>System shows error popup “Username or password is incorrect”</a:t>
+            </a:r>
+          </a:p>
+          <a:p>
+            <a:pPr lvl="1">
+              <a:buFont typeface="Wingdings" panose="05000000000000000000" pitchFamily="2" charset="2"/>
+              <a:buChar char="§"/>
+            </a:pPr>
+            <a:r>
+              <a:rPr lang="en-US" dirty="0"/>
+              <a:t>Login – Empty username or password</a:t>
+            </a:r>
+          </a:p>
+          <a:p>
+            <a:pPr lvl="2"/>
+            <a:r>
+              <a:rPr lang="en-US" dirty="0"/>
+              <a:t>Steps :</a:t>
+            </a:r>
+          </a:p>
+          <a:p>
+            <a:pPr lvl="3">
+              <a:buFont typeface="Wingdings" panose="05000000000000000000" pitchFamily="2" charset="2"/>
+              <a:buChar char="Ø"/>
+            </a:pPr>
+            <a:r>
+              <a:rPr lang="en-US" dirty="0"/>
+              <a:t>User leave username or password field blank</a:t>
+            </a:r>
+          </a:p>
+          <a:p>
+            <a:pPr lvl="2"/>
+            <a:r>
+              <a:rPr lang="en-US" dirty="0"/>
+              <a:t>Expected result :</a:t>
+            </a:r>
+          </a:p>
+          <a:p>
+            <a:pPr lvl="3">
+              <a:buFont typeface="Wingdings" panose="05000000000000000000" pitchFamily="2" charset="2"/>
+              <a:buChar char="Ø"/>
+            </a:pPr>
+            <a:r>
+              <a:rPr lang="en-US" dirty="0"/>
+              <a:t>“Login” button disabled</a:t>
+            </a:r>
+          </a:p>
+          <a:p>
+            <a:pPr lvl="1">
+              <a:buFont typeface="Wingdings" panose="05000000000000000000" pitchFamily="2" charset="2"/>
+              <a:buChar char="§"/>
+            </a:pPr>
+            <a:endParaRPr lang="en-US" dirty="0"/>
+          </a:p>
+        </p:txBody>
+      </p:sp>
+    </p:spTree>
+    <p:extLst>
+      <p:ext uri="{BB962C8B-B14F-4D97-AF65-F5344CB8AC3E}">
+        <p14:creationId xmlns:p14="http://schemas.microsoft.com/office/powerpoint/2010/main" val="1156940134"/>
       </p:ext>
     </p:extLst>
   </p:cSld>
